--- a/Diagram/Présentation SAE 23.pptx
+++ b/Diagram/Présentation SAE 23.pptx
@@ -280,7 +280,7 @@
           <a:p>
             <a:fld id="{5E7AA473-D82F-4EFF-9DF7-AE6D83C51288}" type="datetime1">
               <a:rPr lang="en-US" smtClean="0"/>
-              <a:t>6/12/2022</a:t>
+              <a:t>6/16/2022</a:t>
             </a:fld>
             <a:endParaRPr lang="en-US"/>
           </a:p>
@@ -534,7 +534,7 @@
           <a:p>
             <a:fld id="{1E12F1F0-FE2D-4C1C-B320-8CB9BE735F0F}" type="datetime1">
               <a:rPr lang="en-US" smtClean="0"/>
-              <a:t>6/12/2022</a:t>
+              <a:t>6/16/2022</a:t>
             </a:fld>
             <a:endParaRPr lang="en-US"/>
           </a:p>
@@ -802,7 +802,7 @@
           <a:p>
             <a:fld id="{2CF1B96C-10FD-4EBC-9029-9652B7535D02}" type="datetime1">
               <a:rPr lang="en-US" smtClean="0"/>
-              <a:t>6/12/2022</a:t>
+              <a:t>6/16/2022</a:t>
             </a:fld>
             <a:endParaRPr lang="en-US"/>
           </a:p>
@@ -1056,7 +1056,7 @@
           <a:p>
             <a:fld id="{14878474-CC00-4A95-9D50-A41C12D1EEC4}" type="datetime1">
               <a:rPr lang="en-US" smtClean="0"/>
-              <a:t>6/12/2022</a:t>
+              <a:t>6/16/2022</a:t>
             </a:fld>
             <a:endParaRPr lang="en-US"/>
           </a:p>
@@ -1334,7 +1334,7 @@
           <a:p>
             <a:fld id="{7F38C8B4-7FBB-408F-BDB9-F0496874AFB2}" type="datetime1">
               <a:rPr lang="en-US" smtClean="0"/>
-              <a:t>6/12/2022</a:t>
+              <a:t>6/16/2022</a:t>
             </a:fld>
             <a:endParaRPr lang="en-US"/>
           </a:p>
@@ -1606,7 +1606,7 @@
           <a:p>
             <a:fld id="{2BB8EE20-A5E2-47D3-8F6D-A2BA7AB2E093}" type="datetime1">
               <a:rPr lang="en-US" smtClean="0"/>
-              <a:t>6/12/2022</a:t>
+              <a:t>6/16/2022</a:t>
             </a:fld>
             <a:endParaRPr lang="en-US"/>
           </a:p>
@@ -2164,7 +2164,7 @@
           <a:p>
             <a:fld id="{3382CF99-132F-413F-B7EF-71A5C33F2ED6}" type="datetime1">
               <a:rPr lang="en-US" smtClean="0"/>
-              <a:t>6/12/2022</a:t>
+              <a:t>6/16/2022</a:t>
             </a:fld>
             <a:endParaRPr lang="en-US"/>
           </a:p>
@@ -2306,7 +2306,7 @@
           <a:p>
             <a:fld id="{1F17AE06-98E0-4D9F-A059-92C3548821BB}" type="datetime1">
               <a:rPr lang="en-US" smtClean="0"/>
-              <a:t>6/12/2022</a:t>
+              <a:t>6/16/2022</a:t>
             </a:fld>
             <a:endParaRPr lang="en-US"/>
           </a:p>
@@ -2419,7 +2419,7 @@
           <a:p>
             <a:fld id="{FFBA00CA-3DDC-4705-B840-978EF5EA0707}" type="datetime1">
               <a:rPr lang="en-US" smtClean="0"/>
-              <a:t>6/12/2022</a:t>
+              <a:t>6/16/2022</a:t>
             </a:fld>
             <a:endParaRPr lang="en-US"/>
           </a:p>
@@ -2738,7 +2738,7 @@
           <a:p>
             <a:fld id="{FC366D49-0BBA-4C5A-AD96-6448CA63451A}" type="datetime1">
               <a:rPr lang="en-US" smtClean="0"/>
-              <a:t>6/12/2022</a:t>
+              <a:t>6/16/2022</a:t>
             </a:fld>
             <a:endParaRPr lang="en-US"/>
           </a:p>
@@ -3035,7 +3035,7 @@
           <a:p>
             <a:fld id="{4F4EB293-A316-472D-A8B4-6947CF1A12B7}" type="datetime1">
               <a:rPr lang="en-US" smtClean="0"/>
-              <a:t>6/12/2022</a:t>
+              <a:t>6/16/2022</a:t>
             </a:fld>
             <a:endParaRPr lang="en-US"/>
           </a:p>
@@ -3314,7 +3314,7 @@
           <a:p>
             <a:fld id="{734BCCD4-CEB1-405B-A443-DD9CBCBEA552}" type="datetime1">
               <a:rPr lang="en-US" smtClean="0"/>
-              <a:t>6/12/2022</a:t>
+              <a:t>6/16/2022</a:t>
             </a:fld>
             <a:endParaRPr lang="en-US"/>
           </a:p>
@@ -4615,6 +4615,16 @@
           <a:prstGeom prst="rect">
             <a:avLst/>
           </a:prstGeom>
+          <a:ln>
+            <a:noFill/>
+          </a:ln>
+          <a:effectLst>
+            <a:outerShdw blurRad="190500" algn="tl" rotWithShape="0">
+              <a:srgbClr val="000000">
+                <a:alpha val="70000"/>
+              </a:srgbClr>
+            </a:outerShdw>
+          </a:effectLst>
         </p:spPr>
       </p:pic>
       <p:pic>
@@ -4645,6 +4655,16 @@
           <a:prstGeom prst="rect">
             <a:avLst/>
           </a:prstGeom>
+          <a:ln>
+            <a:noFill/>
+          </a:ln>
+          <a:effectLst>
+            <a:outerShdw blurRad="190500" algn="tl" rotWithShape="0">
+              <a:srgbClr val="000000">
+                <a:alpha val="70000"/>
+              </a:srgbClr>
+            </a:outerShdw>
+          </a:effectLst>
         </p:spPr>
       </p:pic>
     </p:spTree>
@@ -4766,6 +4786,85 @@
           </a:p>
         </p:txBody>
       </p:sp>
+      <p:pic>
+        <p:nvPicPr>
+          <p:cNvPr id="5" name="Image 4">
+            <a:extLst>
+              <a:ext uri="{FF2B5EF4-FFF2-40B4-BE49-F238E27FC236}">
+                <a16:creationId xmlns:a16="http://schemas.microsoft.com/office/drawing/2014/main" id="{7A62EC63-872F-39B6-A176-02758EE0E227}"/>
+              </a:ext>
+            </a:extLst>
+          </p:cNvPr>
+          <p:cNvPicPr>
+            <a:picLocks noChangeAspect="1"/>
+          </p:cNvPicPr>
+          <p:nvPr/>
+        </p:nvPicPr>
+        <p:blipFill>
+          <a:blip r:embed="rId2"/>
+          <a:stretch>
+            <a:fillRect/>
+          </a:stretch>
+        </p:blipFill>
+        <p:spPr>
+          <a:xfrm>
+            <a:off x="1667434" y="4835672"/>
+            <a:ext cx="8857129" cy="1785454"/>
+          </a:xfrm>
+          <a:prstGeom prst="rect">
+            <a:avLst/>
+          </a:prstGeom>
+          <a:ln>
+            <a:noFill/>
+          </a:ln>
+          <a:effectLst>
+            <a:outerShdw blurRad="190500" algn="tl" rotWithShape="0">
+              <a:srgbClr val="000000">
+                <a:alpha val="70000"/>
+              </a:srgbClr>
+            </a:outerShdw>
+          </a:effectLst>
+        </p:spPr>
+      </p:pic>
+      <p:pic>
+        <p:nvPicPr>
+          <p:cNvPr id="7" name="Image 6">
+            <a:extLst>
+              <a:ext uri="{FF2B5EF4-FFF2-40B4-BE49-F238E27FC236}">
+                <a16:creationId xmlns:a16="http://schemas.microsoft.com/office/drawing/2014/main" id="{CCF065B1-0EC0-E9C2-A9BD-73BBF0AC11C0}"/>
+              </a:ext>
+            </a:extLst>
+          </p:cNvPr>
+          <p:cNvPicPr>
+            <a:picLocks noChangeAspect="1"/>
+          </p:cNvPicPr>
+          <p:nvPr/>
+        </p:nvPicPr>
+        <p:blipFill rotWithShape="1">
+          <a:blip r:embed="rId3"/>
+          <a:srcRect r="50000"/>
+          <a:stretch/>
+        </p:blipFill>
+        <p:spPr>
+          <a:xfrm>
+            <a:off x="7455002" y="3233119"/>
+            <a:ext cx="4329717" cy="1000265"/>
+          </a:xfrm>
+          <a:prstGeom prst="rect">
+            <a:avLst/>
+          </a:prstGeom>
+          <a:ln>
+            <a:noFill/>
+          </a:ln>
+          <a:effectLst>
+            <a:outerShdw blurRad="190500" algn="tl" rotWithShape="0">
+              <a:srgbClr val="000000">
+                <a:alpha val="70000"/>
+              </a:srgbClr>
+            </a:outerShdw>
+          </a:effectLst>
+        </p:spPr>
+      </p:pic>
     </p:spTree>
     <p:extLst>
       <p:ext uri="{BB962C8B-B14F-4D97-AF65-F5344CB8AC3E}">
